--- a/Abschlusspraesi.pptx
+++ b/Abschlusspraesi.pptx
@@ -10,6 +10,10 @@
     <p:sldId id="260" r:id="rId4"/>
     <p:sldId id="261" r:id="rId5"/>
     <p:sldId id="262" r:id="rId6"/>
+    <p:sldId id="264" r:id="rId7"/>
+    <p:sldId id="265" r:id="rId8"/>
+    <p:sldId id="266" r:id="rId9"/>
+    <p:sldId id="267" r:id="rId10"/>
   </p:sldIdLst>
   <p:sldSz cx="12192000" cy="6858000"/>
   <p:notesSz cx="6858000" cy="9144000"/>
@@ -108,6 +112,11 @@
       </a:defRPr>
     </a:lvl9pPr>
   </p:defaultTextStyle>
+  <p:extLst>
+    <p:ext uri="{EFAFB233-063F-42B5-8137-9DF3F51BA10A}">
+      <p15:sldGuideLst xmlns:p15="http://schemas.microsoft.com/office/powerpoint/2012/main"/>
+    </p:ext>
+  </p:extLst>
 </p:presentation>
 </file>
 
@@ -281,7 +290,7 @@
             <a:fld id="{87DE6118-2437-4B30-8E3C-4D2BE6020583}" type="datetimeFigureOut">
               <a:rPr lang="en-US" dirty="0"/>
               <a:pPr/>
-              <a:t>7/11/2021</a:t>
+              <a:t>7/12/2021</a:t>
             </a:fld>
             <a:endParaRPr lang="en-US" dirty="0"/>
           </a:p>
@@ -607,7 +616,7 @@
           <a:p>
             <a:fld id="{87DE6118-2437-4B30-8E3C-4D2BE6020583}" type="datetimeFigureOut">
               <a:rPr lang="en-US" dirty="0"/>
-              <a:t>7/11/2021</a:t>
+              <a:t>7/12/2021</a:t>
             </a:fld>
             <a:endParaRPr lang="en-US" dirty="0"/>
           </a:p>
@@ -782,7 +791,7 @@
           <a:p>
             <a:fld id="{87DE6118-2437-4B30-8E3C-4D2BE6020583}" type="datetimeFigureOut">
               <a:rPr lang="en-US" dirty="0"/>
-              <a:t>7/11/2021</a:t>
+              <a:t>7/12/2021</a:t>
             </a:fld>
             <a:endParaRPr lang="en-US" dirty="0"/>
           </a:p>
@@ -947,7 +956,7 @@
           <a:p>
             <a:fld id="{87DE6118-2437-4B30-8E3C-4D2BE6020583}" type="datetimeFigureOut">
               <a:rPr lang="en-US" dirty="0"/>
-              <a:t>7/11/2021</a:t>
+              <a:t>7/12/2021</a:t>
             </a:fld>
             <a:endParaRPr lang="en-US" dirty="0"/>
           </a:p>
@@ -1220,7 +1229,7 @@
             <a:fld id="{87DE6118-2437-4B30-8E3C-4D2BE6020583}" type="datetimeFigureOut">
               <a:rPr lang="en-US" dirty="0"/>
               <a:pPr/>
-              <a:t>7/11/2021</a:t>
+              <a:t>7/12/2021</a:t>
             </a:fld>
             <a:endParaRPr lang="en-US" dirty="0"/>
           </a:p>
@@ -1610,7 +1619,7 @@
           <a:p>
             <a:fld id="{87DE6118-2437-4B30-8E3C-4D2BE6020583}" type="datetimeFigureOut">
               <a:rPr lang="en-US" dirty="0"/>
-              <a:t>7/11/2021</a:t>
+              <a:t>7/12/2021</a:t>
             </a:fld>
             <a:endParaRPr lang="en-US" dirty="0"/>
           </a:p>
@@ -2082,7 +2091,7 @@
           <a:p>
             <a:fld id="{87DE6118-2437-4B30-8E3C-4D2BE6020583}" type="datetimeFigureOut">
               <a:rPr lang="en-US" dirty="0"/>
-              <a:t>7/11/2021</a:t>
+              <a:t>7/12/2021</a:t>
             </a:fld>
             <a:endParaRPr lang="en-US" dirty="0"/>
           </a:p>
@@ -2195,7 +2204,7 @@
           <a:p>
             <a:fld id="{87DE6118-2437-4B30-8E3C-4D2BE6020583}" type="datetimeFigureOut">
               <a:rPr lang="en-US" dirty="0"/>
-              <a:t>7/11/2021</a:t>
+              <a:t>7/12/2021</a:t>
             </a:fld>
             <a:endParaRPr lang="en-US" dirty="0"/>
           </a:p>
@@ -2285,7 +2294,7 @@
           <a:p>
             <a:fld id="{87DE6118-2437-4B30-8E3C-4D2BE6020583}" type="datetimeFigureOut">
               <a:rPr lang="en-US" dirty="0"/>
-              <a:t>7/11/2021</a:t>
+              <a:t>7/12/2021</a:t>
             </a:fld>
             <a:endParaRPr lang="en-US" dirty="0"/>
           </a:p>
@@ -2627,7 +2636,7 @@
             <a:fld id="{87DE6118-2437-4B30-8E3C-4D2BE6020583}" type="datetimeFigureOut">
               <a:rPr lang="en-US" dirty="0"/>
               <a:pPr/>
-              <a:t>7/11/2021</a:t>
+              <a:t>7/12/2021</a:t>
             </a:fld>
             <a:endParaRPr lang="en-US" dirty="0"/>
           </a:p>
@@ -3012,7 +3021,7 @@
             <a:fld id="{87DE6118-2437-4B30-8E3C-4D2BE6020583}" type="datetimeFigureOut">
               <a:rPr lang="en-US" dirty="0"/>
               <a:pPr/>
-              <a:t>7/11/2021</a:t>
+              <a:t>7/12/2021</a:t>
             </a:fld>
             <a:endParaRPr lang="en-US" dirty="0"/>
           </a:p>
@@ -3287,7 +3296,7 @@
             <a:fld id="{87DE6118-2437-4B30-8E3C-4D2BE6020583}" type="datetimeFigureOut">
               <a:rPr lang="en-US" dirty="0"/>
               <a:pPr/>
-              <a:t>7/11/2021</a:t>
+              <a:t>7/12/2021</a:t>
             </a:fld>
             <a:endParaRPr lang="en-US" dirty="0"/>
           </a:p>
@@ -4822,6 +4831,499 @@
 </p:sld>
 </file>
 
+<file path=ppt/slides/slide6.xml><?xml version="1.0" encoding="utf-8"?>
+<p:sld xmlns:a="http://schemas.openxmlformats.org/drawingml/2006/main" xmlns:r="http://schemas.openxmlformats.org/officeDocument/2006/relationships" xmlns:p="http://schemas.openxmlformats.org/presentationml/2006/main">
+  <p:cSld>
+    <p:spTree>
+      <p:nvGrpSpPr>
+        <p:cNvPr id="1" name=""/>
+        <p:cNvGrpSpPr/>
+        <p:nvPr/>
+      </p:nvGrpSpPr>
+      <p:grpSpPr>
+        <a:xfrm>
+          <a:off x="0" y="0"/>
+          <a:ext cx="0" cy="0"/>
+          <a:chOff x="0" y="0"/>
+          <a:chExt cx="0" cy="0"/>
+        </a:xfrm>
+      </p:grpSpPr>
+      <p:sp>
+        <p:nvSpPr>
+          <p:cNvPr id="2" name="Titel 1">
+            <a:extLst>
+              <a:ext uri="{FF2B5EF4-FFF2-40B4-BE49-F238E27FC236}">
+                <a16:creationId xmlns:a16="http://schemas.microsoft.com/office/drawing/2014/main" id="{2A2D5B1E-459E-47DD-8F8D-6E2071EF73B4}"/>
+              </a:ext>
+            </a:extLst>
+          </p:cNvPr>
+          <p:cNvSpPr>
+            <a:spLocks noGrp="1"/>
+          </p:cNvSpPr>
+          <p:nvPr>
+            <p:ph type="title"/>
+          </p:nvPr>
+        </p:nvSpPr>
+        <p:spPr/>
+        <p:txBody>
+          <a:bodyPr/>
+          <a:lstStyle/>
+          <a:p>
+            <a:r>
+              <a:rPr lang="de-DE" dirty="0"/>
+              <a:t>Interaktionen</a:t>
+            </a:r>
+          </a:p>
+        </p:txBody>
+      </p:sp>
+      <p:sp>
+        <p:nvSpPr>
+          <p:cNvPr id="3" name="Inhaltsplatzhalter 2">
+            <a:extLst>
+              <a:ext uri="{FF2B5EF4-FFF2-40B4-BE49-F238E27FC236}">
+                <a16:creationId xmlns:a16="http://schemas.microsoft.com/office/drawing/2014/main" id="{91735E9A-A5AC-4EA4-BFED-5FC26C08BEB5}"/>
+              </a:ext>
+            </a:extLst>
+          </p:cNvPr>
+          <p:cNvSpPr>
+            <a:spLocks noGrp="1"/>
+          </p:cNvSpPr>
+          <p:nvPr>
+            <p:ph idx="1"/>
+          </p:nvPr>
+        </p:nvSpPr>
+        <p:spPr/>
+        <p:txBody>
+          <a:bodyPr/>
+          <a:lstStyle/>
+          <a:p>
+            <a:r>
+              <a:rPr lang="de-DE" dirty="0"/>
+              <a:t>Freies Teleportieren im Raum</a:t>
+            </a:r>
+          </a:p>
+          <a:p>
+            <a:r>
+              <a:rPr lang="de-DE" dirty="0"/>
+              <a:t>Absperren der Straße mit Pylonen</a:t>
+            </a:r>
+          </a:p>
+          <a:p>
+            <a:r>
+              <a:rPr lang="de-DE" dirty="0"/>
+              <a:t>Aufbau der Wasserversorgung</a:t>
+            </a:r>
+          </a:p>
+          <a:p>
+            <a:pPr lvl="1"/>
+            <a:r>
+              <a:rPr lang="de-DE" dirty="0"/>
+              <a:t>Verbinden unterschiedlichster Objekte mit Schläuchen</a:t>
+            </a:r>
+          </a:p>
+          <a:p>
+            <a:pPr lvl="1"/>
+            <a:r>
+              <a:rPr lang="de-DE" dirty="0"/>
+              <a:t>Platzieren von Verbindungsstücken</a:t>
+            </a:r>
+          </a:p>
+          <a:p>
+            <a:pPr lvl="1"/>
+            <a:r>
+              <a:rPr lang="de-DE" dirty="0"/>
+              <a:t>Öffnen verschiedener Ventile</a:t>
+            </a:r>
+          </a:p>
+          <a:p>
+            <a:r>
+              <a:rPr lang="de-DE" dirty="0"/>
+              <a:t>Löschen des Feuers</a:t>
+            </a:r>
+          </a:p>
+        </p:txBody>
+      </p:sp>
+    </p:spTree>
+    <p:extLst>
+      <p:ext uri="{BB962C8B-B14F-4D97-AF65-F5344CB8AC3E}">
+        <p14:creationId xmlns:p14="http://schemas.microsoft.com/office/powerpoint/2010/main" val="567248898"/>
+      </p:ext>
+    </p:extLst>
+  </p:cSld>
+  <p:clrMapOvr>
+    <a:masterClrMapping/>
+  </p:clrMapOvr>
+</p:sld>
+</file>
+
+<file path=ppt/slides/slide7.xml><?xml version="1.0" encoding="utf-8"?>
+<p:sld xmlns:a="http://schemas.openxmlformats.org/drawingml/2006/main" xmlns:r="http://schemas.openxmlformats.org/officeDocument/2006/relationships" xmlns:p="http://schemas.openxmlformats.org/presentationml/2006/main">
+  <p:cSld>
+    <p:spTree>
+      <p:nvGrpSpPr>
+        <p:cNvPr id="1" name=""/>
+        <p:cNvGrpSpPr/>
+        <p:nvPr/>
+      </p:nvGrpSpPr>
+      <p:grpSpPr>
+        <a:xfrm>
+          <a:off x="0" y="0"/>
+          <a:ext cx="0" cy="0"/>
+          <a:chOff x="0" y="0"/>
+          <a:chExt cx="0" cy="0"/>
+        </a:xfrm>
+      </p:grpSpPr>
+      <p:sp>
+        <p:nvSpPr>
+          <p:cNvPr id="2" name="Titel 1">
+            <a:extLst>
+              <a:ext uri="{FF2B5EF4-FFF2-40B4-BE49-F238E27FC236}">
+                <a16:creationId xmlns:a16="http://schemas.microsoft.com/office/drawing/2014/main" id="{1B19E089-473B-4B72-96BF-EED81B8BA3A4}"/>
+              </a:ext>
+            </a:extLst>
+          </p:cNvPr>
+          <p:cNvSpPr>
+            <a:spLocks noGrp="1"/>
+          </p:cNvSpPr>
+          <p:nvPr>
+            <p:ph type="title"/>
+          </p:nvPr>
+        </p:nvSpPr>
+        <p:spPr/>
+        <p:txBody>
+          <a:bodyPr/>
+          <a:lstStyle/>
+          <a:p>
+            <a:r>
+              <a:rPr lang="de-DE" dirty="0"/>
+              <a:t>Hintergrund</a:t>
+            </a:r>
+          </a:p>
+        </p:txBody>
+      </p:sp>
+      <p:sp>
+        <p:nvSpPr>
+          <p:cNvPr id="3" name="Inhaltsplatzhalter 2">
+            <a:extLst>
+              <a:ext uri="{FF2B5EF4-FFF2-40B4-BE49-F238E27FC236}">
+                <a16:creationId xmlns:a16="http://schemas.microsoft.com/office/drawing/2014/main" id="{5D50CCE2-67B5-4B51-8958-C1273098D4B0}"/>
+              </a:ext>
+            </a:extLst>
+          </p:cNvPr>
+          <p:cNvSpPr>
+            <a:spLocks noGrp="1"/>
+          </p:cNvSpPr>
+          <p:nvPr>
+            <p:ph idx="1"/>
+          </p:nvPr>
+        </p:nvSpPr>
+        <p:spPr/>
+        <p:txBody>
+          <a:bodyPr/>
+          <a:lstStyle/>
+          <a:p>
+            <a:r>
+              <a:rPr lang="de-DE" dirty="0"/>
+              <a:t>Mitglied der freiwilligen Feuerwehr (privates Interesse)</a:t>
+            </a:r>
+          </a:p>
+          <a:p>
+            <a:r>
+              <a:rPr lang="de-DE" dirty="0"/>
+              <a:t>Gute Möglichkeit, Anwärtern die Grundlagen zu zeigen</a:t>
+            </a:r>
+          </a:p>
+          <a:p>
+            <a:r>
+              <a:rPr lang="de-DE" dirty="0"/>
+              <a:t>Eher spielerisch als unter körperlichen Bedingungen</a:t>
+            </a:r>
+          </a:p>
+          <a:p>
+            <a:r>
+              <a:rPr lang="de-DE" dirty="0"/>
+              <a:t>Anregung zum Beitritt in die Feuerwehr</a:t>
+            </a:r>
+          </a:p>
+        </p:txBody>
+      </p:sp>
+    </p:spTree>
+    <p:extLst>
+      <p:ext uri="{BB962C8B-B14F-4D97-AF65-F5344CB8AC3E}">
+        <p14:creationId xmlns:p14="http://schemas.microsoft.com/office/powerpoint/2010/main" val="4214179027"/>
+      </p:ext>
+    </p:extLst>
+  </p:cSld>
+  <p:clrMapOvr>
+    <a:masterClrMapping/>
+  </p:clrMapOvr>
+</p:sld>
+</file>
+
+<file path=ppt/slides/slide8.xml><?xml version="1.0" encoding="utf-8"?>
+<p:sld xmlns:a="http://schemas.openxmlformats.org/drawingml/2006/main" xmlns:r="http://schemas.openxmlformats.org/officeDocument/2006/relationships" xmlns:p="http://schemas.openxmlformats.org/presentationml/2006/main">
+  <p:cSld>
+    <p:spTree>
+      <p:nvGrpSpPr>
+        <p:cNvPr id="1" name=""/>
+        <p:cNvGrpSpPr/>
+        <p:nvPr/>
+      </p:nvGrpSpPr>
+      <p:grpSpPr>
+        <a:xfrm>
+          <a:off x="0" y="0"/>
+          <a:ext cx="0" cy="0"/>
+          <a:chOff x="0" y="0"/>
+          <a:chExt cx="0" cy="0"/>
+        </a:xfrm>
+      </p:grpSpPr>
+      <p:sp>
+        <p:nvSpPr>
+          <p:cNvPr id="2" name="Titel 1">
+            <a:extLst>
+              <a:ext uri="{FF2B5EF4-FFF2-40B4-BE49-F238E27FC236}">
+                <a16:creationId xmlns:a16="http://schemas.microsoft.com/office/drawing/2014/main" id="{9DA6F597-2F61-46A4-816C-51DC4033A496}"/>
+              </a:ext>
+            </a:extLst>
+          </p:cNvPr>
+          <p:cNvSpPr>
+            <a:spLocks noGrp="1"/>
+          </p:cNvSpPr>
+          <p:nvPr>
+            <p:ph type="title"/>
+          </p:nvPr>
+        </p:nvSpPr>
+        <p:spPr/>
+        <p:txBody>
+          <a:bodyPr/>
+          <a:lstStyle/>
+          <a:p>
+            <a:r>
+              <a:rPr lang="de-DE" dirty="0"/>
+              <a:t>Architektur - Pattern</a:t>
+            </a:r>
+          </a:p>
+        </p:txBody>
+      </p:sp>
+      <p:sp>
+        <p:nvSpPr>
+          <p:cNvPr id="3" name="Inhaltsplatzhalter 2">
+            <a:extLst>
+              <a:ext uri="{FF2B5EF4-FFF2-40B4-BE49-F238E27FC236}">
+                <a16:creationId xmlns:a16="http://schemas.microsoft.com/office/drawing/2014/main" id="{DF4301B8-F859-4BDF-BE6E-8D77C3197683}"/>
+              </a:ext>
+            </a:extLst>
+          </p:cNvPr>
+          <p:cNvSpPr>
+            <a:spLocks noGrp="1"/>
+          </p:cNvSpPr>
+          <p:nvPr>
+            <p:ph idx="1"/>
+          </p:nvPr>
+        </p:nvSpPr>
+        <p:spPr/>
+        <p:txBody>
+          <a:bodyPr/>
+          <a:lstStyle/>
+          <a:p>
+            <a:r>
+              <a:rPr lang="de-DE" dirty="0" err="1"/>
+              <a:t>Object</a:t>
+            </a:r>
+            <a:r>
+              <a:rPr lang="de-DE" dirty="0"/>
+              <a:t>-Pooling (Pylonen, Partikelsysteme)</a:t>
+            </a:r>
+          </a:p>
+          <a:p>
+            <a:r>
+              <a:rPr lang="de-DE" dirty="0"/>
+              <a:t>State (Handanimation, </a:t>
+            </a:r>
+            <a:r>
+              <a:rPr lang="de-DE" dirty="0" err="1"/>
+              <a:t>Locomotion</a:t>
+            </a:r>
+            <a:r>
+              <a:rPr lang="de-DE" dirty="0"/>
+              <a:t>)</a:t>
+            </a:r>
+          </a:p>
+          <a:p>
+            <a:r>
+              <a:rPr lang="de-DE" dirty="0"/>
+              <a:t>Observer (Unity Events)</a:t>
+            </a:r>
+          </a:p>
+          <a:p>
+            <a:r>
+              <a:rPr lang="de-DE" dirty="0"/>
+              <a:t>Prototype (</a:t>
+            </a:r>
+            <a:r>
+              <a:rPr lang="de-DE" dirty="0" err="1"/>
+              <a:t>Prefabs</a:t>
+            </a:r>
+            <a:r>
+              <a:rPr lang="de-DE" dirty="0"/>
+              <a:t>, Pylonen)</a:t>
+            </a:r>
+          </a:p>
+          <a:p>
+            <a:r>
+              <a:rPr lang="de-DE" dirty="0" err="1"/>
+              <a:t>Component</a:t>
+            </a:r>
+            <a:endParaRPr lang="de-DE" dirty="0"/>
+          </a:p>
+          <a:p>
+            <a:r>
+              <a:rPr lang="de-DE" dirty="0"/>
+              <a:t>Event Queue (Strahlrohranimation)</a:t>
+            </a:r>
+          </a:p>
+        </p:txBody>
+      </p:sp>
+    </p:spTree>
+    <p:extLst>
+      <p:ext uri="{BB962C8B-B14F-4D97-AF65-F5344CB8AC3E}">
+        <p14:creationId xmlns:p14="http://schemas.microsoft.com/office/powerpoint/2010/main" val="33153713"/>
+      </p:ext>
+    </p:extLst>
+  </p:cSld>
+  <p:clrMapOvr>
+    <a:masterClrMapping/>
+  </p:clrMapOvr>
+</p:sld>
+</file>
+
+<file path=ppt/slides/slide9.xml><?xml version="1.0" encoding="utf-8"?>
+<p:sld xmlns:a="http://schemas.openxmlformats.org/drawingml/2006/main" xmlns:r="http://schemas.openxmlformats.org/officeDocument/2006/relationships" xmlns:p="http://schemas.openxmlformats.org/presentationml/2006/main">
+  <p:cSld>
+    <p:spTree>
+      <p:nvGrpSpPr>
+        <p:cNvPr id="1" name=""/>
+        <p:cNvGrpSpPr/>
+        <p:nvPr/>
+      </p:nvGrpSpPr>
+      <p:grpSpPr>
+        <a:xfrm>
+          <a:off x="0" y="0"/>
+          <a:ext cx="0" cy="0"/>
+          <a:chOff x="0" y="0"/>
+          <a:chExt cx="0" cy="0"/>
+        </a:xfrm>
+      </p:grpSpPr>
+      <p:sp>
+        <p:nvSpPr>
+          <p:cNvPr id="2" name="Titel 1">
+            <a:extLst>
+              <a:ext uri="{FF2B5EF4-FFF2-40B4-BE49-F238E27FC236}">
+                <a16:creationId xmlns:a16="http://schemas.microsoft.com/office/drawing/2014/main" id="{4E975ADA-6204-4D3D-B857-4532BE58E718}"/>
+              </a:ext>
+            </a:extLst>
+          </p:cNvPr>
+          <p:cNvSpPr>
+            <a:spLocks noGrp="1"/>
+          </p:cNvSpPr>
+          <p:nvPr>
+            <p:ph type="title"/>
+          </p:nvPr>
+        </p:nvSpPr>
+        <p:spPr/>
+        <p:txBody>
+          <a:bodyPr/>
+          <a:lstStyle/>
+          <a:p>
+            <a:r>
+              <a:rPr lang="de-DE" dirty="0"/>
+              <a:t>Architektur - Techniken</a:t>
+            </a:r>
+          </a:p>
+        </p:txBody>
+      </p:sp>
+      <p:sp>
+        <p:nvSpPr>
+          <p:cNvPr id="3" name="Inhaltsplatzhalter 2">
+            <a:extLst>
+              <a:ext uri="{FF2B5EF4-FFF2-40B4-BE49-F238E27FC236}">
+                <a16:creationId xmlns:a16="http://schemas.microsoft.com/office/drawing/2014/main" id="{EEAF68C5-1875-4B1C-99D9-845B674DDC34}"/>
+              </a:ext>
+            </a:extLst>
+          </p:cNvPr>
+          <p:cNvSpPr>
+            <a:spLocks noGrp="1"/>
+          </p:cNvSpPr>
+          <p:nvPr>
+            <p:ph idx="1"/>
+          </p:nvPr>
+        </p:nvSpPr>
+        <p:spPr/>
+        <p:txBody>
+          <a:bodyPr/>
+          <a:lstStyle/>
+          <a:p>
+            <a:r>
+              <a:rPr lang="de-DE" dirty="0" err="1"/>
+              <a:t>Scrum</a:t>
+            </a:r>
+            <a:r>
+              <a:rPr lang="de-DE" dirty="0"/>
+              <a:t> (Regelmäßige Treffen und Diskussionen)</a:t>
+            </a:r>
+          </a:p>
+          <a:p>
+            <a:r>
+              <a:rPr lang="de-DE" dirty="0" err="1"/>
+              <a:t>Scriptable</a:t>
+            </a:r>
+            <a:r>
+              <a:rPr lang="de-DE" dirty="0"/>
+              <a:t> Objects (</a:t>
+            </a:r>
+            <a:r>
+              <a:rPr lang="de-DE" dirty="0" err="1"/>
+              <a:t>FireController</a:t>
+            </a:r>
+            <a:r>
+              <a:rPr lang="de-DE" dirty="0"/>
+              <a:t>, Tutorial)</a:t>
+            </a:r>
+          </a:p>
+          <a:p>
+            <a:r>
+              <a:rPr lang="de-DE" dirty="0"/>
+              <a:t>Vererbung (Abstrakte Basisklassen)</a:t>
+            </a:r>
+          </a:p>
+          <a:p>
+            <a:r>
+              <a:rPr lang="de-DE" dirty="0" err="1"/>
+              <a:t>Coroutines</a:t>
+            </a:r>
+            <a:endParaRPr lang="de-DE" dirty="0"/>
+          </a:p>
+          <a:p>
+            <a:r>
+              <a:rPr lang="de-DE" dirty="0"/>
+              <a:t>Tooltips</a:t>
+            </a:r>
+          </a:p>
+        </p:txBody>
+      </p:sp>
+    </p:spTree>
+    <p:extLst>
+      <p:ext uri="{BB962C8B-B14F-4D97-AF65-F5344CB8AC3E}">
+        <p14:creationId xmlns:p14="http://schemas.microsoft.com/office/powerpoint/2010/main" val="151553049"/>
+      </p:ext>
+    </p:extLst>
+  </p:cSld>
+  <p:clrMapOvr>
+    <a:masterClrMapping/>
+  </p:clrMapOvr>
+</p:sld>
+</file>
+
 <file path=ppt/theme/theme1.xml><?xml version="1.0" encoding="utf-8"?>
 <a:theme xmlns:a="http://schemas.openxmlformats.org/drawingml/2006/main" name="Ausschnitt">
   <a:themeElements>

--- a/Abschlusspraesi.pptx
+++ b/Abschlusspraesi.pptx
@@ -14,6 +14,7 @@
     <p:sldId id="265" r:id="rId8"/>
     <p:sldId id="266" r:id="rId9"/>
     <p:sldId id="267" r:id="rId10"/>
+    <p:sldId id="268" r:id="rId11"/>
   </p:sldIdLst>
   <p:sldSz cx="12192000" cy="6858000"/>
   <p:notesSz cx="6858000" cy="9144000"/>
@@ -3905,6 +3906,104 @@
 </p:sld>
 </file>
 
+<file path=ppt/slides/slide10.xml><?xml version="1.0" encoding="utf-8"?>
+<p:sld xmlns:a="http://schemas.openxmlformats.org/drawingml/2006/main" xmlns:r="http://schemas.openxmlformats.org/officeDocument/2006/relationships" xmlns:p="http://schemas.openxmlformats.org/presentationml/2006/main">
+  <p:cSld>
+    <p:spTree>
+      <p:nvGrpSpPr>
+        <p:cNvPr id="1" name=""/>
+        <p:cNvGrpSpPr/>
+        <p:nvPr/>
+      </p:nvGrpSpPr>
+      <p:grpSpPr>
+        <a:xfrm>
+          <a:off x="0" y="0"/>
+          <a:ext cx="0" cy="0"/>
+          <a:chOff x="0" y="0"/>
+          <a:chExt cx="0" cy="0"/>
+        </a:xfrm>
+      </p:grpSpPr>
+      <p:sp>
+        <p:nvSpPr>
+          <p:cNvPr id="2" name="Titel 1">
+            <a:extLst>
+              <a:ext uri="{FF2B5EF4-FFF2-40B4-BE49-F238E27FC236}">
+                <a16:creationId xmlns:a16="http://schemas.microsoft.com/office/drawing/2014/main" id="{405DE1CE-F97D-4002-81D0-E31C9C20760A}"/>
+              </a:ext>
+            </a:extLst>
+          </p:cNvPr>
+          <p:cNvSpPr>
+            <a:spLocks noGrp="1"/>
+          </p:cNvSpPr>
+          <p:nvPr>
+            <p:ph type="title"/>
+          </p:nvPr>
+        </p:nvSpPr>
+        <p:spPr/>
+        <p:txBody>
+          <a:bodyPr/>
+          <a:lstStyle/>
+          <a:p>
+            <a:r>
+              <a:rPr lang="de-DE" dirty="0"/>
+              <a:t>Ausblick</a:t>
+            </a:r>
+          </a:p>
+        </p:txBody>
+      </p:sp>
+      <p:sp>
+        <p:nvSpPr>
+          <p:cNvPr id="3" name="Inhaltsplatzhalter 2">
+            <a:extLst>
+              <a:ext uri="{FF2B5EF4-FFF2-40B4-BE49-F238E27FC236}">
+                <a16:creationId xmlns:a16="http://schemas.microsoft.com/office/drawing/2014/main" id="{B45CCD7B-7969-4AA7-8397-95B65E7EB94E}"/>
+              </a:ext>
+            </a:extLst>
+          </p:cNvPr>
+          <p:cNvSpPr>
+            <a:spLocks noGrp="1"/>
+          </p:cNvSpPr>
+          <p:nvPr>
+            <p:ph idx="1"/>
+          </p:nvPr>
+        </p:nvSpPr>
+        <p:spPr/>
+        <p:txBody>
+          <a:bodyPr/>
+          <a:lstStyle/>
+          <a:p>
+            <a:r>
+              <a:rPr lang="de-DE" dirty="0"/>
+              <a:t>Bugfix: Bewegliche Objekte miteinander bewegen (außer Schläuche)</a:t>
+            </a:r>
+          </a:p>
+          <a:p>
+            <a:r>
+              <a:rPr lang="de-DE" dirty="0"/>
+              <a:t>Schlauchmodell</a:t>
+            </a:r>
+          </a:p>
+          <a:p>
+            <a:r>
+              <a:rPr lang="de-DE"/>
+              <a:t>Umgebungshintergrund</a:t>
+            </a:r>
+          </a:p>
+        </p:txBody>
+      </p:sp>
+    </p:spTree>
+    <p:extLst>
+      <p:ext uri="{BB962C8B-B14F-4D97-AF65-F5344CB8AC3E}">
+        <p14:creationId xmlns:p14="http://schemas.microsoft.com/office/powerpoint/2010/main" val="3316237024"/>
+      </p:ext>
+    </p:extLst>
+  </p:cSld>
+  <p:clrMapOvr>
+    <a:masterClrMapping/>
+  </p:clrMapOvr>
+</p:sld>
+</file>
+
 <file path=ppt/slides/slide2.xml><?xml version="1.0" encoding="utf-8"?>
 <p:sld xmlns:a="http://schemas.openxmlformats.org/drawingml/2006/main" xmlns:r="http://schemas.openxmlformats.org/officeDocument/2006/relationships" xmlns:p="http://schemas.openxmlformats.org/presentationml/2006/main">
   <p:cSld>
